--- a/하나둘SAT 중간.pptx
+++ b/하나둘SAT 중간.pptx
@@ -234,7 +234,7 @@
           <a:p>
             <a:fld id="{259EEF04-1B4C-4172-BB87-E2D611A34D91}" type="datetimeFigureOut">
               <a:rPr lang="ko-KR" altLang="en-US" smtClean="0"/>
-              <a:t>2024-06-30</a:t>
+              <a:t>2024-07-01</a:t>
             </a:fld>
             <a:endParaRPr lang="ko-KR" altLang="en-US"/>
           </a:p>
@@ -732,7 +732,7 @@
           <a:p>
             <a:fld id="{00D6F6E1-A4AE-45E6-8569-36503698DE10}" type="datetimeFigureOut">
               <a:rPr lang="ko-KR" altLang="en-US" smtClean="0"/>
-              <a:t>2024-06-30</a:t>
+              <a:t>2024-07-01</a:t>
             </a:fld>
             <a:endParaRPr lang="ko-KR" altLang="en-US"/>
           </a:p>
@@ -930,7 +930,7 @@
           <a:p>
             <a:fld id="{00D6F6E1-A4AE-45E6-8569-36503698DE10}" type="datetimeFigureOut">
               <a:rPr lang="ko-KR" altLang="en-US" smtClean="0"/>
-              <a:t>2024-06-30</a:t>
+              <a:t>2024-07-01</a:t>
             </a:fld>
             <a:endParaRPr lang="ko-KR" altLang="en-US"/>
           </a:p>
@@ -1138,7 +1138,7 @@
           <a:p>
             <a:fld id="{00D6F6E1-A4AE-45E6-8569-36503698DE10}" type="datetimeFigureOut">
               <a:rPr lang="ko-KR" altLang="en-US" smtClean="0"/>
-              <a:t>2024-06-30</a:t>
+              <a:t>2024-07-01</a:t>
             </a:fld>
             <a:endParaRPr lang="ko-KR" altLang="en-US"/>
           </a:p>
@@ -1336,7 +1336,7 @@
           <a:p>
             <a:fld id="{00D6F6E1-A4AE-45E6-8569-36503698DE10}" type="datetimeFigureOut">
               <a:rPr lang="ko-KR" altLang="en-US" smtClean="0"/>
-              <a:t>2024-06-30</a:t>
+              <a:t>2024-07-01</a:t>
             </a:fld>
             <a:endParaRPr lang="ko-KR" altLang="en-US"/>
           </a:p>
@@ -1611,7 +1611,7 @@
           <a:p>
             <a:fld id="{00D6F6E1-A4AE-45E6-8569-36503698DE10}" type="datetimeFigureOut">
               <a:rPr lang="ko-KR" altLang="en-US" smtClean="0"/>
-              <a:t>2024-06-30</a:t>
+              <a:t>2024-07-01</a:t>
             </a:fld>
             <a:endParaRPr lang="ko-KR" altLang="en-US"/>
           </a:p>
@@ -1876,7 +1876,7 @@
           <a:p>
             <a:fld id="{00D6F6E1-A4AE-45E6-8569-36503698DE10}" type="datetimeFigureOut">
               <a:rPr lang="ko-KR" altLang="en-US" smtClean="0"/>
-              <a:t>2024-06-30</a:t>
+              <a:t>2024-07-01</a:t>
             </a:fld>
             <a:endParaRPr lang="ko-KR" altLang="en-US"/>
           </a:p>
@@ -2288,7 +2288,7 @@
           <a:p>
             <a:fld id="{00D6F6E1-A4AE-45E6-8569-36503698DE10}" type="datetimeFigureOut">
               <a:rPr lang="ko-KR" altLang="en-US" smtClean="0"/>
-              <a:t>2024-06-30</a:t>
+              <a:t>2024-07-01</a:t>
             </a:fld>
             <a:endParaRPr lang="ko-KR" altLang="en-US"/>
           </a:p>
@@ -2429,7 +2429,7 @@
           <a:p>
             <a:fld id="{00D6F6E1-A4AE-45E6-8569-36503698DE10}" type="datetimeFigureOut">
               <a:rPr lang="ko-KR" altLang="en-US" smtClean="0"/>
-              <a:t>2024-06-30</a:t>
+              <a:t>2024-07-01</a:t>
             </a:fld>
             <a:endParaRPr lang="ko-KR" altLang="en-US"/>
           </a:p>
@@ -2542,7 +2542,7 @@
           <a:p>
             <a:fld id="{00D6F6E1-A4AE-45E6-8569-36503698DE10}" type="datetimeFigureOut">
               <a:rPr lang="ko-KR" altLang="en-US" smtClean="0"/>
-              <a:t>2024-06-30</a:t>
+              <a:t>2024-07-01</a:t>
             </a:fld>
             <a:endParaRPr lang="ko-KR" altLang="en-US"/>
           </a:p>
@@ -2853,7 +2853,7 @@
           <a:p>
             <a:fld id="{00D6F6E1-A4AE-45E6-8569-36503698DE10}" type="datetimeFigureOut">
               <a:rPr lang="ko-KR" altLang="en-US" smtClean="0"/>
-              <a:t>2024-06-30</a:t>
+              <a:t>2024-07-01</a:t>
             </a:fld>
             <a:endParaRPr lang="ko-KR" altLang="en-US"/>
           </a:p>
@@ -3141,7 +3141,7 @@
           <a:p>
             <a:fld id="{00D6F6E1-A4AE-45E6-8569-36503698DE10}" type="datetimeFigureOut">
               <a:rPr lang="ko-KR" altLang="en-US" smtClean="0"/>
-              <a:t>2024-06-30</a:t>
+              <a:t>2024-07-01</a:t>
             </a:fld>
             <a:endParaRPr lang="ko-KR" altLang="en-US"/>
           </a:p>
@@ -3382,7 +3382,7 @@
           <a:p>
             <a:fld id="{00D6F6E1-A4AE-45E6-8569-36503698DE10}" type="datetimeFigureOut">
               <a:rPr lang="ko-KR" altLang="en-US" smtClean="0"/>
-              <a:t>2024-06-30</a:t>
+              <a:t>2024-07-01</a:t>
             </a:fld>
             <a:endParaRPr lang="ko-KR" altLang="en-US"/>
           </a:p>
@@ -37145,8 +37145,8 @@
           </p:nvSpPr>
           <p:spPr>
             <a:xfrm>
-              <a:off x="5121378" y="1621862"/>
-              <a:ext cx="3205316" cy="3205316"/>
+              <a:off x="5201392" y="2127352"/>
+              <a:ext cx="2433512" cy="2377269"/>
             </a:xfrm>
             <a:prstGeom prst="ellipse">
               <a:avLst/>
@@ -37179,7 +37179,7 @@
             <a:lstStyle/>
             <a:p>
               <a:pPr algn="ctr"/>
-              <a:endParaRPr lang="en-US" altLang="ko-KR" dirty="0">
+              <a:endParaRPr lang="en-US" altLang="ko-KR" sz="1400" dirty="0">
                 <a:solidFill>
                   <a:schemeClr val="tx1"/>
                 </a:solidFill>
@@ -37188,14 +37188,14 @@
             <a:p>
               <a:pPr algn="ctr"/>
               <a:r>
-                <a:rPr lang="ko-KR" altLang="en-US" dirty="0">
+                <a:rPr lang="ko-KR" altLang="en-US" sz="1400" dirty="0">
                   <a:solidFill>
                     <a:schemeClr val="tx1"/>
                   </a:solidFill>
                 </a:rPr>
                 <a:t>다기능 </a:t>
               </a:r>
-              <a:endParaRPr lang="en-US" altLang="ko-KR" dirty="0">
+              <a:endParaRPr lang="en-US" altLang="ko-KR" sz="1400" dirty="0">
                 <a:solidFill>
                   <a:schemeClr val="tx1"/>
                 </a:solidFill>
@@ -37204,14 +37204,14 @@
             <a:p>
               <a:pPr algn="ctr"/>
               <a:r>
-                <a:rPr lang="ko-KR" altLang="en-US" dirty="0">
+                <a:rPr lang="ko-KR" altLang="en-US" sz="1400" dirty="0">
                   <a:solidFill>
                     <a:schemeClr val="tx1"/>
                   </a:solidFill>
                 </a:rPr>
                 <a:t>전개 장치</a:t>
               </a:r>
-              <a:endParaRPr lang="en-US" altLang="ko-KR" dirty="0">
+              <a:endParaRPr lang="en-US" altLang="ko-KR" sz="1400" dirty="0">
                 <a:solidFill>
                   <a:schemeClr val="tx1"/>
                 </a:solidFill>
@@ -37219,7 +37219,7 @@
             </a:p>
             <a:p>
               <a:pPr algn="ctr"/>
-              <a:endParaRPr lang="en-US" altLang="ko-KR" dirty="0">
+              <a:endParaRPr lang="en-US" altLang="ko-KR" sz="1400" dirty="0">
                 <a:solidFill>
                   <a:schemeClr val="tx1"/>
                 </a:solidFill>
@@ -37227,7 +37227,7 @@
             </a:p>
             <a:p>
               <a:pPr algn="ctr"/>
-              <a:endParaRPr lang="ko-KR" altLang="en-US" dirty="0">
+              <a:endParaRPr lang="ko-KR" altLang="en-US" sz="1400" dirty="0">
                 <a:solidFill>
                   <a:schemeClr val="tx1"/>
                 </a:solidFill>
@@ -39245,8 +39245,8 @@
         </p:nvSpPr>
         <p:spPr>
           <a:xfrm>
-            <a:off x="5031871" y="4293759"/>
-            <a:ext cx="2088356" cy="830956"/>
+            <a:off x="5031871" y="4582951"/>
+            <a:ext cx="2088356" cy="461624"/>
           </a:xfrm>
           <a:prstGeom prst="rect">
             <a:avLst/>
@@ -39286,61 +39286,6 @@
               <a:t>다기능 장치 전개</a:t>
             </a:r>
             <a:endParaRPr lang="en-US" altLang="ko-KR" sz="1600" b="1" dirty="0">
-              <a:solidFill>
-                <a:sysClr val="windowText" lastClr="000000"/>
-              </a:solidFill>
-              <a:ea typeface="Malgun Gothic"/>
-              <a:cs typeface="Malgun Gothic"/>
-              <a:sym typeface="Malgun Gothic"/>
-            </a:endParaRPr>
-          </a:p>
-          <a:p>
-            <a:pPr marL="0" marR="0" lvl="0" indent="0" algn="ctr" rtl="0">
-              <a:lnSpc>
-                <a:spcPct val="150000"/>
-              </a:lnSpc>
-              <a:spcBef>
-                <a:spcPts val="0"/>
-              </a:spcBef>
-              <a:spcAft>
-                <a:spcPts val="0"/>
-              </a:spcAft>
-              <a:buNone/>
-            </a:pPr>
-            <a:r>
-              <a:rPr lang="en-US" altLang="ko-KR" sz="1600" b="1" dirty="0">
-                <a:solidFill>
-                  <a:sysClr val="windowText" lastClr="000000"/>
-                </a:solidFill>
-                <a:ea typeface="Malgun Gothic"/>
-                <a:cs typeface="Malgun Gothic"/>
-                <a:sym typeface="Malgun Gothic"/>
-              </a:rPr>
-              <a:t>(</a:t>
-            </a:r>
-            <a:r>
-              <a:rPr lang="ko-KR" altLang="en-US" sz="1600" b="1" dirty="0" err="1">
-                <a:solidFill>
-                  <a:sysClr val="windowText" lastClr="000000"/>
-                </a:solidFill>
-                <a:ea typeface="Malgun Gothic"/>
-                <a:cs typeface="Malgun Gothic"/>
-                <a:sym typeface="Malgun Gothic"/>
-              </a:rPr>
-              <a:t>차광막</a:t>
-            </a:r>
-            <a:r>
-              <a:rPr lang="en-US" altLang="ko-KR" sz="1600" b="1" dirty="0">
-                <a:solidFill>
-                  <a:sysClr val="windowText" lastClr="000000"/>
-                </a:solidFill>
-                <a:ea typeface="Malgun Gothic"/>
-                <a:cs typeface="Malgun Gothic"/>
-                <a:sym typeface="Malgun Gothic"/>
-              </a:rPr>
-              <a:t>)</a:t>
-            </a:r>
-            <a:endParaRPr lang="ko-KR" altLang="en-US" sz="1600" b="1" dirty="0">
               <a:solidFill>
                 <a:sysClr val="windowText" lastClr="000000"/>
               </a:solidFill>
@@ -39761,8 +39706,8 @@
         </p:nvSpPr>
         <p:spPr>
           <a:xfrm>
-            <a:off x="9547342" y="4417442"/>
-            <a:ext cx="2203658" cy="1200288"/>
+            <a:off x="9547342" y="4643034"/>
+            <a:ext cx="2203658" cy="461624"/>
           </a:xfrm>
           <a:prstGeom prst="rect">
             <a:avLst/>
@@ -39799,87 +39744,7 @@
                 <a:cs typeface="Malgun Gothic"/>
                 <a:sym typeface="Malgun Gothic"/>
               </a:rPr>
-              <a:t>다기능 장치 전개</a:t>
-            </a:r>
-            <a:endParaRPr lang="en-US" altLang="ko-KR" sz="1600" b="1" dirty="0">
-              <a:solidFill>
-                <a:sysClr val="windowText" lastClr="000000"/>
-              </a:solidFill>
-              <a:ea typeface="Malgun Gothic"/>
-              <a:cs typeface="Malgun Gothic"/>
-              <a:sym typeface="Malgun Gothic"/>
-            </a:endParaRPr>
-          </a:p>
-          <a:p>
-            <a:pPr marL="0" marR="0" lvl="0" indent="0" algn="ctr" rtl="0">
-              <a:lnSpc>
-                <a:spcPct val="150000"/>
-              </a:lnSpc>
-              <a:spcBef>
-                <a:spcPts val="0"/>
-              </a:spcBef>
-              <a:spcAft>
-                <a:spcPts val="0"/>
-              </a:spcAft>
-              <a:buNone/>
-            </a:pPr>
-            <a:r>
-              <a:rPr lang="en-US" sz="1600" b="1" dirty="0">
-                <a:solidFill>
-                  <a:sysClr val="windowText" lastClr="000000"/>
-                </a:solidFill>
-                <a:ea typeface="Malgun Gothic"/>
-                <a:cs typeface="Malgun Gothic"/>
-                <a:sym typeface="Malgun Gothic"/>
-              </a:rPr>
-              <a:t>(</a:t>
-            </a:r>
-            <a:r>
-              <a:rPr lang="ko-KR" altLang="en-US" sz="1600" b="1" dirty="0">
-                <a:solidFill>
-                  <a:sysClr val="windowText" lastClr="000000"/>
-                </a:solidFill>
-                <a:ea typeface="Malgun Gothic"/>
-                <a:cs typeface="Malgun Gothic"/>
-                <a:sym typeface="Malgun Gothic"/>
-              </a:rPr>
-              <a:t>랜딩기어</a:t>
-            </a:r>
-            <a:r>
-              <a:rPr lang="en-US" altLang="ko-KR" sz="1600" b="1" dirty="0">
-                <a:solidFill>
-                  <a:sysClr val="windowText" lastClr="000000"/>
-                </a:solidFill>
-                <a:ea typeface="Malgun Gothic"/>
-                <a:cs typeface="Malgun Gothic"/>
-                <a:sym typeface="Malgun Gothic"/>
-              </a:rPr>
-              <a:t>)</a:t>
-            </a:r>
-          </a:p>
-          <a:p>
-            <a:pPr marL="0" marR="0" lvl="0" indent="0" algn="ctr" rtl="0">
-              <a:lnSpc>
-                <a:spcPct val="150000"/>
-              </a:lnSpc>
-              <a:spcBef>
-                <a:spcPts val="0"/>
-              </a:spcBef>
-              <a:spcAft>
-                <a:spcPts val="0"/>
-              </a:spcAft>
-              <a:buNone/>
-            </a:pPr>
-            <a:r>
-              <a:rPr lang="ko-KR" altLang="en-US" sz="1600" b="1" dirty="0">
-                <a:solidFill>
-                  <a:sysClr val="windowText" lastClr="000000"/>
-                </a:solidFill>
-                <a:ea typeface="Malgun Gothic"/>
-                <a:cs typeface="Malgun Gothic"/>
-                <a:sym typeface="Malgun Gothic"/>
-              </a:rPr>
-              <a:t>및 착륙</a:t>
+              <a:t>착륙</a:t>
             </a:r>
             <a:endParaRPr sz="1600" b="1" dirty="0">
               <a:solidFill>
@@ -39928,186 +39793,6 @@
           </a:prstGeom>
         </p:spPr>
       </p:pic>
-      <p:grpSp>
-        <p:nvGrpSpPr>
-          <p:cNvPr id="105" name="그룹 104">
-            <a:extLst>
-              <a:ext uri="{FF2B5EF4-FFF2-40B4-BE49-F238E27FC236}">
-                <a16:creationId xmlns:a16="http://schemas.microsoft.com/office/drawing/2014/main" id="{41DAC0DD-FCF0-8421-89D5-6819143D3056}"/>
-              </a:ext>
-            </a:extLst>
-          </p:cNvPr>
-          <p:cNvGrpSpPr/>
-          <p:nvPr/>
-        </p:nvGrpSpPr>
-        <p:grpSpPr>
-          <a:xfrm rot="996516">
-            <a:off x="5333278" y="2078027"/>
-            <a:ext cx="1407709" cy="1625660"/>
-            <a:chOff x="5306166" y="1775330"/>
-            <a:chExt cx="1407709" cy="1625660"/>
-          </a:xfrm>
-        </p:grpSpPr>
-        <p:grpSp>
-          <p:nvGrpSpPr>
-            <p:cNvPr id="81" name="그룹 80">
-              <a:extLst>
-                <a:ext uri="{FF2B5EF4-FFF2-40B4-BE49-F238E27FC236}">
-                  <a16:creationId xmlns:a16="http://schemas.microsoft.com/office/drawing/2014/main" id="{A9C7AE87-C208-3B75-6443-CB253249B46A}"/>
-                </a:ext>
-              </a:extLst>
-            </p:cNvPr>
-            <p:cNvGrpSpPr/>
-            <p:nvPr/>
-          </p:nvGrpSpPr>
-          <p:grpSpPr>
-            <a:xfrm>
-              <a:off x="5306166" y="1775330"/>
-              <a:ext cx="1407709" cy="1625660"/>
-              <a:chOff x="10465265" y="2613284"/>
-              <a:chExt cx="1407709" cy="1625660"/>
-            </a:xfrm>
-          </p:grpSpPr>
-          <p:pic>
-            <p:nvPicPr>
-              <p:cNvPr id="84" name="Google Shape;230;p5">
-                <a:extLst>
-                  <a:ext uri="{FF2B5EF4-FFF2-40B4-BE49-F238E27FC236}">
-                    <a16:creationId xmlns:a16="http://schemas.microsoft.com/office/drawing/2014/main" id="{5B473818-7D43-D020-46B2-71F6C49C65F3}"/>
-                  </a:ext>
-                </a:extLst>
-              </p:cNvPr>
-              <p:cNvPicPr preferRelativeResize="0"/>
-              <p:nvPr/>
-            </p:nvPicPr>
-            <p:blipFill rotWithShape="1">
-              <a:blip r:embed="rId7">
-                <a:alphaModFix/>
-              </a:blip>
-              <a:srcRect/>
-              <a:stretch/>
-            </p:blipFill>
-            <p:spPr>
-              <a:xfrm>
-                <a:off x="10928796" y="3943722"/>
-                <a:ext cx="480649" cy="295222"/>
-              </a:xfrm>
-              <a:prstGeom prst="rect">
-                <a:avLst/>
-              </a:prstGeom>
-              <a:noFill/>
-              <a:ln>
-                <a:noFill/>
-              </a:ln>
-            </p:spPr>
-          </p:pic>
-          <p:pic>
-            <p:nvPicPr>
-              <p:cNvPr id="87" name="Google Shape;231;p5">
-                <a:extLst>
-                  <a:ext uri="{FF2B5EF4-FFF2-40B4-BE49-F238E27FC236}">
-                    <a16:creationId xmlns:a16="http://schemas.microsoft.com/office/drawing/2014/main" id="{863B0E47-54D5-85DB-D4CA-FBBDDA64BE13}"/>
-                  </a:ext>
-                </a:extLst>
-              </p:cNvPr>
-              <p:cNvPicPr preferRelativeResize="0"/>
-              <p:nvPr/>
-            </p:nvPicPr>
-            <p:blipFill rotWithShape="1">
-              <a:blip r:embed="rId8">
-                <a:alphaModFix/>
-              </a:blip>
-              <a:srcRect/>
-              <a:stretch/>
-            </p:blipFill>
-            <p:spPr>
-              <a:xfrm>
-                <a:off x="10465265" y="2613284"/>
-                <a:ext cx="1407709" cy="1407709"/>
-              </a:xfrm>
-              <a:prstGeom prst="rect">
-                <a:avLst/>
-              </a:prstGeom>
-              <a:noFill/>
-              <a:ln>
-                <a:noFill/>
-              </a:ln>
-            </p:spPr>
-          </p:pic>
-        </p:grpSp>
-        <p:cxnSp>
-          <p:nvCxnSpPr>
-            <p:cNvPr id="91" name="직선 연결선 90">
-              <a:extLst>
-                <a:ext uri="{FF2B5EF4-FFF2-40B4-BE49-F238E27FC236}">
-                  <a16:creationId xmlns:a16="http://schemas.microsoft.com/office/drawing/2014/main" id="{1BC5A665-C23D-5563-A572-85DF6118FA9C}"/>
-                </a:ext>
-              </a:extLst>
-            </p:cNvPr>
-            <p:cNvCxnSpPr/>
-            <p:nvPr/>
-          </p:nvCxnSpPr>
-          <p:spPr>
-            <a:xfrm>
-              <a:off x="6205711" y="3371505"/>
-              <a:ext cx="284567" cy="0"/>
-            </a:xfrm>
-            <a:prstGeom prst="line">
-              <a:avLst/>
-            </a:prstGeom>
-          </p:spPr>
-          <p:style>
-            <a:lnRef idx="2">
-              <a:schemeClr val="dk1"/>
-            </a:lnRef>
-            <a:fillRef idx="0">
-              <a:schemeClr val="dk1"/>
-            </a:fillRef>
-            <a:effectRef idx="1">
-              <a:schemeClr val="dk1"/>
-            </a:effectRef>
-            <a:fontRef idx="minor">
-              <a:schemeClr val="tx1"/>
-            </a:fontRef>
-          </p:style>
-        </p:cxnSp>
-        <p:cxnSp>
-          <p:nvCxnSpPr>
-            <p:cNvPr id="92" name="직선 연결선 91">
-              <a:extLst>
-                <a:ext uri="{FF2B5EF4-FFF2-40B4-BE49-F238E27FC236}">
-                  <a16:creationId xmlns:a16="http://schemas.microsoft.com/office/drawing/2014/main" id="{D6E06E27-BC90-F0D3-0F5A-D9F216068C19}"/>
-                </a:ext>
-              </a:extLst>
-            </p:cNvPr>
-            <p:cNvCxnSpPr/>
-            <p:nvPr/>
-          </p:nvCxnSpPr>
-          <p:spPr>
-            <a:xfrm>
-              <a:off x="5527531" y="3371505"/>
-              <a:ext cx="284567" cy="0"/>
-            </a:xfrm>
-            <a:prstGeom prst="line">
-              <a:avLst/>
-            </a:prstGeom>
-          </p:spPr>
-          <p:style>
-            <a:lnRef idx="2">
-              <a:schemeClr val="dk1"/>
-            </a:lnRef>
-            <a:fillRef idx="0">
-              <a:schemeClr val="dk1"/>
-            </a:fillRef>
-            <a:effectRef idx="1">
-              <a:schemeClr val="dk1"/>
-            </a:effectRef>
-            <a:fontRef idx="minor">
-              <a:schemeClr val="tx1"/>
-            </a:fontRef>
-          </p:style>
-        </p:cxnSp>
-      </p:grpSp>
       <p:grpSp>
         <p:nvGrpSpPr>
           <p:cNvPr id="104" name="그룹 103">
@@ -40466,7 +40151,6 @@
           </p:cNvPr>
           <p:cNvCxnSpPr>
             <a:cxnSpLocks/>
-            <a:stCxn id="84" idx="3"/>
             <a:endCxn id="63" idx="0"/>
           </p:cNvCxnSpPr>
           <p:nvPr/>
@@ -40483,6 +40167,390 @@
             <a:headEnd type="triangle"/>
             <a:tailEnd type="triangle"/>
           </a:ln>
+        </p:spPr>
+        <p:style>
+          <a:lnRef idx="2">
+            <a:schemeClr val="dk1"/>
+          </a:lnRef>
+          <a:fillRef idx="0">
+            <a:schemeClr val="dk1"/>
+          </a:fillRef>
+          <a:effectRef idx="1">
+            <a:schemeClr val="dk1"/>
+          </a:effectRef>
+          <a:fontRef idx="minor">
+            <a:schemeClr val="tx1"/>
+          </a:fontRef>
+        </p:style>
+      </p:cxnSp>
+      <p:grpSp>
+        <p:nvGrpSpPr>
+          <p:cNvPr id="2" name="그룹 1">
+            <a:extLst>
+              <a:ext uri="{FF2B5EF4-FFF2-40B4-BE49-F238E27FC236}">
+                <a16:creationId xmlns:a16="http://schemas.microsoft.com/office/drawing/2014/main" id="{FCE20875-EE9E-2A47-8CA5-F54BD32B9DA9}"/>
+              </a:ext>
+            </a:extLst>
+          </p:cNvPr>
+          <p:cNvGrpSpPr/>
+          <p:nvPr/>
+        </p:nvGrpSpPr>
+        <p:grpSpPr>
+          <a:xfrm>
+            <a:off x="5239665" y="2095309"/>
+            <a:ext cx="1407709" cy="1760266"/>
+            <a:chOff x="10034745" y="2068784"/>
+            <a:chExt cx="1407709" cy="1760266"/>
+          </a:xfrm>
+        </p:grpSpPr>
+        <p:grpSp>
+          <p:nvGrpSpPr>
+            <p:cNvPr id="3" name="그룹 2">
+              <a:extLst>
+                <a:ext uri="{FF2B5EF4-FFF2-40B4-BE49-F238E27FC236}">
+                  <a16:creationId xmlns:a16="http://schemas.microsoft.com/office/drawing/2014/main" id="{40E2FFAF-1391-9EE8-C24F-24BF31DF0E57}"/>
+                </a:ext>
+              </a:extLst>
+            </p:cNvPr>
+            <p:cNvGrpSpPr/>
+            <p:nvPr/>
+          </p:nvGrpSpPr>
+          <p:grpSpPr>
+            <a:xfrm>
+              <a:off x="10034745" y="2068784"/>
+              <a:ext cx="1407709" cy="1625660"/>
+              <a:chOff x="10465265" y="2613284"/>
+              <a:chExt cx="1407709" cy="1625660"/>
+            </a:xfrm>
+          </p:grpSpPr>
+          <p:pic>
+            <p:nvPicPr>
+              <p:cNvPr id="9" name="Google Shape;230;p5">
+                <a:extLst>
+                  <a:ext uri="{FF2B5EF4-FFF2-40B4-BE49-F238E27FC236}">
+                    <a16:creationId xmlns:a16="http://schemas.microsoft.com/office/drawing/2014/main" id="{A4B9C070-3DDB-DE97-9E1C-B49C95BF9C3F}"/>
+                  </a:ext>
+                </a:extLst>
+              </p:cNvPr>
+              <p:cNvPicPr preferRelativeResize="0"/>
+              <p:nvPr/>
+            </p:nvPicPr>
+            <p:blipFill rotWithShape="1">
+              <a:blip r:embed="rId7">
+                <a:alphaModFix/>
+              </a:blip>
+              <a:srcRect/>
+              <a:stretch/>
+            </p:blipFill>
+            <p:spPr>
+              <a:xfrm>
+                <a:off x="10928796" y="3943722"/>
+                <a:ext cx="480649" cy="295222"/>
+              </a:xfrm>
+              <a:prstGeom prst="rect">
+                <a:avLst/>
+              </a:prstGeom>
+              <a:noFill/>
+              <a:ln>
+                <a:noFill/>
+              </a:ln>
+            </p:spPr>
+          </p:pic>
+          <p:pic>
+            <p:nvPicPr>
+              <p:cNvPr id="10" name="Google Shape;231;p5">
+                <a:extLst>
+                  <a:ext uri="{FF2B5EF4-FFF2-40B4-BE49-F238E27FC236}">
+                    <a16:creationId xmlns:a16="http://schemas.microsoft.com/office/drawing/2014/main" id="{4CB8973C-A464-9C87-AC7D-4D903DFB411D}"/>
+                  </a:ext>
+                </a:extLst>
+              </p:cNvPr>
+              <p:cNvPicPr preferRelativeResize="0"/>
+              <p:nvPr/>
+            </p:nvPicPr>
+            <p:blipFill rotWithShape="1">
+              <a:blip r:embed="rId8">
+                <a:alphaModFix/>
+              </a:blip>
+              <a:srcRect/>
+              <a:stretch/>
+            </p:blipFill>
+            <p:spPr>
+              <a:xfrm>
+                <a:off x="10465265" y="2613284"/>
+                <a:ext cx="1407709" cy="1407709"/>
+              </a:xfrm>
+              <a:prstGeom prst="rect">
+                <a:avLst/>
+              </a:prstGeom>
+              <a:noFill/>
+              <a:ln>
+                <a:noFill/>
+              </a:ln>
+            </p:spPr>
+          </p:pic>
+        </p:grpSp>
+        <p:cxnSp>
+          <p:nvCxnSpPr>
+            <p:cNvPr id="4" name="직선 연결선 3">
+              <a:extLst>
+                <a:ext uri="{FF2B5EF4-FFF2-40B4-BE49-F238E27FC236}">
+                  <a16:creationId xmlns:a16="http://schemas.microsoft.com/office/drawing/2014/main" id="{556F1A07-7E96-777B-96A7-7B8E5697F0AA}"/>
+                </a:ext>
+              </a:extLst>
+            </p:cNvPr>
+            <p:cNvCxnSpPr>
+              <a:cxnSpLocks/>
+            </p:cNvCxnSpPr>
+            <p:nvPr/>
+          </p:nvCxnSpPr>
+          <p:spPr>
+            <a:xfrm flipV="1">
+              <a:off x="10370820" y="3653445"/>
+              <a:ext cx="177108" cy="175605"/>
+            </a:xfrm>
+            <a:prstGeom prst="line">
+              <a:avLst/>
+            </a:prstGeom>
+          </p:spPr>
+          <p:style>
+            <a:lnRef idx="2">
+              <a:schemeClr val="dk1"/>
+            </a:lnRef>
+            <a:fillRef idx="0">
+              <a:schemeClr val="dk1"/>
+            </a:fillRef>
+            <a:effectRef idx="1">
+              <a:schemeClr val="dk1"/>
+            </a:effectRef>
+            <a:fontRef idx="minor">
+              <a:schemeClr val="tx1"/>
+            </a:fontRef>
+          </p:style>
+        </p:cxnSp>
+        <p:cxnSp>
+          <p:nvCxnSpPr>
+            <p:cNvPr id="6" name="직선 연결선 5">
+              <a:extLst>
+                <a:ext uri="{FF2B5EF4-FFF2-40B4-BE49-F238E27FC236}">
+                  <a16:creationId xmlns:a16="http://schemas.microsoft.com/office/drawing/2014/main" id="{539B923F-87AC-F31E-6794-8D10B6A48B66}"/>
+                </a:ext>
+              </a:extLst>
+            </p:cNvPr>
+            <p:cNvCxnSpPr>
+              <a:cxnSpLocks/>
+            </p:cNvCxnSpPr>
+            <p:nvPr/>
+          </p:nvCxnSpPr>
+          <p:spPr>
+            <a:xfrm flipH="1" flipV="1">
+              <a:off x="10922905" y="3653445"/>
+              <a:ext cx="177108" cy="175605"/>
+            </a:xfrm>
+            <a:prstGeom prst="line">
+              <a:avLst/>
+            </a:prstGeom>
+          </p:spPr>
+          <p:style>
+            <a:lnRef idx="2">
+              <a:schemeClr val="dk1"/>
+            </a:lnRef>
+            <a:fillRef idx="0">
+              <a:schemeClr val="dk1"/>
+            </a:fillRef>
+            <a:effectRef idx="1">
+              <a:schemeClr val="dk1"/>
+            </a:effectRef>
+            <a:fontRef idx="minor">
+              <a:schemeClr val="tx1"/>
+            </a:fontRef>
+          </p:style>
+        </p:cxnSp>
+      </p:grpSp>
+      <p:sp>
+        <p:nvSpPr>
+          <p:cNvPr id="18" name="원통형 17">
+            <a:extLst>
+              <a:ext uri="{FF2B5EF4-FFF2-40B4-BE49-F238E27FC236}">
+                <a16:creationId xmlns:a16="http://schemas.microsoft.com/office/drawing/2014/main" id="{C47242DD-20BB-5FDF-F2B0-3EFB0CBA647A}"/>
+              </a:ext>
+            </a:extLst>
+          </p:cNvPr>
+          <p:cNvSpPr/>
+          <p:nvPr/>
+        </p:nvSpPr>
+        <p:spPr>
+          <a:xfrm>
+            <a:off x="5839364" y="3679970"/>
+            <a:ext cx="205740" cy="97645"/>
+          </a:xfrm>
+          <a:prstGeom prst="can">
+            <a:avLst>
+              <a:gd name="adj" fmla="val 0"/>
+            </a:avLst>
+          </a:prstGeom>
+          <a:solidFill>
+            <a:schemeClr val="bg1"/>
+          </a:solidFill>
+          <a:ln w="12700">
+            <a:solidFill>
+              <a:schemeClr val="tx1"/>
+            </a:solidFill>
+          </a:ln>
+        </p:spPr>
+        <p:style>
+          <a:lnRef idx="2">
+            <a:schemeClr val="accent1">
+              <a:shade val="15000"/>
+            </a:schemeClr>
+          </a:lnRef>
+          <a:fillRef idx="1">
+            <a:schemeClr val="accent1"/>
+          </a:fillRef>
+          <a:effectRef idx="0">
+            <a:schemeClr val="accent1"/>
+          </a:effectRef>
+          <a:fontRef idx="minor">
+            <a:schemeClr val="lt1"/>
+          </a:fontRef>
+        </p:style>
+        <p:txBody>
+          <a:bodyPr rtlCol="0" anchor="ctr"/>
+          <a:lstStyle/>
+          <a:p>
+            <a:pPr algn="ctr"/>
+            <a:endParaRPr lang="ko-KR" altLang="en-US"/>
+          </a:p>
+        </p:txBody>
+      </p:sp>
+      <p:sp>
+        <p:nvSpPr>
+          <p:cNvPr id="19" name="폭발: 8pt 18">
+            <a:extLst>
+              <a:ext uri="{FF2B5EF4-FFF2-40B4-BE49-F238E27FC236}">
+                <a16:creationId xmlns:a16="http://schemas.microsoft.com/office/drawing/2014/main" id="{2F575654-9A18-7F20-B983-7E22ECED6AE3}"/>
+              </a:ext>
+            </a:extLst>
+          </p:cNvPr>
+          <p:cNvSpPr/>
+          <p:nvPr/>
+        </p:nvSpPr>
+        <p:spPr>
+          <a:xfrm>
+            <a:off x="6080632" y="3814121"/>
+            <a:ext cx="45719" cy="45719"/>
+          </a:xfrm>
+          <a:prstGeom prst="irregularSeal1">
+            <a:avLst/>
+          </a:prstGeom>
+          <a:solidFill>
+            <a:schemeClr val="tx1"/>
+          </a:solidFill>
+          <a:ln>
+            <a:solidFill>
+              <a:schemeClr val="tx1"/>
+            </a:solidFill>
+          </a:ln>
+        </p:spPr>
+        <p:style>
+          <a:lnRef idx="2">
+            <a:schemeClr val="accent1">
+              <a:shade val="15000"/>
+            </a:schemeClr>
+          </a:lnRef>
+          <a:fillRef idx="1">
+            <a:schemeClr val="accent1"/>
+          </a:fillRef>
+          <a:effectRef idx="0">
+            <a:schemeClr val="accent1"/>
+          </a:effectRef>
+          <a:fontRef idx="minor">
+            <a:schemeClr val="lt1"/>
+          </a:fontRef>
+        </p:style>
+        <p:txBody>
+          <a:bodyPr rtlCol="0" anchor="ctr"/>
+          <a:lstStyle/>
+          <a:p>
+            <a:pPr algn="ctr"/>
+            <a:endParaRPr lang="ko-KR" altLang="en-US"/>
+          </a:p>
+        </p:txBody>
+      </p:sp>
+      <p:sp>
+        <p:nvSpPr>
+          <p:cNvPr id="20" name="폭발: 8pt 19">
+            <a:extLst>
+              <a:ext uri="{FF2B5EF4-FFF2-40B4-BE49-F238E27FC236}">
+                <a16:creationId xmlns:a16="http://schemas.microsoft.com/office/drawing/2014/main" id="{3364D654-FE4C-1E39-997F-9303CB8A880E}"/>
+              </a:ext>
+            </a:extLst>
+          </p:cNvPr>
+          <p:cNvSpPr/>
+          <p:nvPr/>
+        </p:nvSpPr>
+        <p:spPr>
+          <a:xfrm>
+            <a:off x="5785035" y="3805806"/>
+            <a:ext cx="45719" cy="45719"/>
+          </a:xfrm>
+          <a:prstGeom prst="irregularSeal1">
+            <a:avLst/>
+          </a:prstGeom>
+          <a:solidFill>
+            <a:schemeClr val="tx1"/>
+          </a:solidFill>
+          <a:ln>
+            <a:solidFill>
+              <a:schemeClr val="tx1"/>
+            </a:solidFill>
+          </a:ln>
+        </p:spPr>
+        <p:style>
+          <a:lnRef idx="2">
+            <a:schemeClr val="accent1">
+              <a:shade val="15000"/>
+            </a:schemeClr>
+          </a:lnRef>
+          <a:fillRef idx="1">
+            <a:schemeClr val="accent1"/>
+          </a:fillRef>
+          <a:effectRef idx="0">
+            <a:schemeClr val="accent1"/>
+          </a:effectRef>
+          <a:fontRef idx="minor">
+            <a:schemeClr val="lt1"/>
+          </a:fontRef>
+        </p:style>
+        <p:txBody>
+          <a:bodyPr rtlCol="0" anchor="ctr"/>
+          <a:lstStyle/>
+          <a:p>
+            <a:pPr algn="ctr"/>
+            <a:endParaRPr lang="ko-KR" altLang="en-US"/>
+          </a:p>
+        </p:txBody>
+      </p:sp>
+      <p:cxnSp>
+        <p:nvCxnSpPr>
+          <p:cNvPr id="22" name="직선 연결선 21">
+            <a:extLst>
+              <a:ext uri="{FF2B5EF4-FFF2-40B4-BE49-F238E27FC236}">
+                <a16:creationId xmlns:a16="http://schemas.microsoft.com/office/drawing/2014/main" id="{0ABDC77A-ADA9-7422-A1A9-AC992338B650}"/>
+              </a:ext>
+            </a:extLst>
+          </p:cNvPr>
+          <p:cNvCxnSpPr/>
+          <p:nvPr/>
+        </p:nvCxnSpPr>
+        <p:spPr>
+          <a:xfrm>
+            <a:off x="9946640" y="4341795"/>
+            <a:ext cx="1879600" cy="0"/>
+          </a:xfrm>
+          <a:prstGeom prst="line">
+            <a:avLst/>
+          </a:prstGeom>
         </p:spPr>
         <p:style>
           <a:lnRef idx="2">
@@ -40646,7 +40714,7 @@
           <a:p>
             <a:pPr algn="ctr"/>
             <a:r>
-              <a:rPr lang="ko-KR" altLang="en-US" sz="1600"/>
+              <a:rPr lang="ko-KR" altLang="en-US" sz="1600" dirty="0" err="1"/>
               <a:t>차광막</a:t>
             </a:r>
             <a:r>
@@ -40719,7 +40787,7 @@
         </p:nvSpPr>
         <p:spPr>
           <a:xfrm>
-            <a:off x="8411497" y="1278942"/>
+            <a:off x="8411497" y="2220014"/>
             <a:ext cx="1582993" cy="338554"/>
           </a:xfrm>
           <a:prstGeom prst="rect">
@@ -40929,97 +40997,6 @@
       </p:sp>
       <p:sp>
         <p:nvSpPr>
-          <p:cNvPr id="13" name="TextBox 12">
-            <a:extLst>
-              <a:ext uri="{FF2B5EF4-FFF2-40B4-BE49-F238E27FC236}">
-                <a16:creationId xmlns:a16="http://schemas.microsoft.com/office/drawing/2014/main" id="{2F6E7206-B39A-BF55-F0E0-50875B3046B5}"/>
-              </a:ext>
-            </a:extLst>
-          </p:cNvPr>
-          <p:cNvSpPr txBox="1"/>
-          <p:nvPr/>
-        </p:nvSpPr>
-        <p:spPr>
-          <a:xfrm>
-            <a:off x="8364632" y="4071969"/>
-            <a:ext cx="1676723" cy="338554"/>
-          </a:xfrm>
-          <a:prstGeom prst="rect">
-            <a:avLst/>
-          </a:prstGeom>
-          <a:noFill/>
-          <a:ln>
-            <a:solidFill>
-              <a:schemeClr val="tx1"/>
-            </a:solidFill>
-          </a:ln>
-        </p:spPr>
-        <p:txBody>
-          <a:bodyPr wrap="square" rtlCol="0">
-            <a:spAutoFit/>
-          </a:bodyPr>
-          <a:lstStyle/>
-          <a:p>
-            <a:pPr algn="ctr"/>
-            <a:r>
-              <a:rPr lang="ko-KR" altLang="en-US" sz="1600" dirty="0" err="1"/>
-              <a:t>서보모터</a:t>
-            </a:r>
-            <a:r>
-              <a:rPr lang="en-US" altLang="ko-KR" sz="1600" dirty="0"/>
-              <a:t>1</a:t>
-            </a:r>
-            <a:r>
-              <a:rPr lang="ko-KR" altLang="en-US" sz="1600" dirty="0"/>
-              <a:t> 작동</a:t>
-            </a:r>
-          </a:p>
-        </p:txBody>
-      </p:sp>
-      <p:sp>
-        <p:nvSpPr>
-          <p:cNvPr id="14" name="TextBox 13">
-            <a:extLst>
-              <a:ext uri="{FF2B5EF4-FFF2-40B4-BE49-F238E27FC236}">
-                <a16:creationId xmlns:a16="http://schemas.microsoft.com/office/drawing/2014/main" id="{04DB7BCB-B13E-A8AC-286B-D9D2D7A2AE30}"/>
-              </a:ext>
-            </a:extLst>
-          </p:cNvPr>
-          <p:cNvSpPr txBox="1"/>
-          <p:nvPr/>
-        </p:nvSpPr>
-        <p:spPr>
-          <a:xfrm>
-            <a:off x="8411497" y="5002978"/>
-            <a:ext cx="1582993" cy="338554"/>
-          </a:xfrm>
-          <a:prstGeom prst="rect">
-            <a:avLst/>
-          </a:prstGeom>
-          <a:noFill/>
-          <a:ln>
-            <a:solidFill>
-              <a:schemeClr val="tx1"/>
-            </a:solidFill>
-          </a:ln>
-        </p:spPr>
-        <p:txBody>
-          <a:bodyPr wrap="square" rtlCol="0">
-            <a:spAutoFit/>
-          </a:bodyPr>
-          <a:lstStyle/>
-          <a:p>
-            <a:pPr algn="ctr"/>
-            <a:r>
-              <a:rPr lang="ko-KR" altLang="en-US" sz="1600"/>
-              <a:t>랜딩기어 전개</a:t>
-            </a:r>
-            <a:endParaRPr lang="ko-KR" altLang="en-US" sz="1600" dirty="0"/>
-          </a:p>
-        </p:txBody>
-      </p:sp>
-      <p:sp>
-        <p:nvSpPr>
           <p:cNvPr id="15" name="TextBox 14">
             <a:extLst>
               <a:ext uri="{FF2B5EF4-FFF2-40B4-BE49-F238E27FC236}">
@@ -41032,7 +41009,7 @@
         </p:nvSpPr>
         <p:spPr>
           <a:xfrm>
-            <a:off x="8114073" y="2209951"/>
+            <a:off x="8114073" y="3151023"/>
             <a:ext cx="2177842" cy="338554"/>
           </a:xfrm>
           <a:prstGeom prst="rect">
@@ -41081,7 +41058,7 @@
         </p:nvSpPr>
         <p:spPr>
           <a:xfrm>
-            <a:off x="8411497" y="5933988"/>
+            <a:off x="8411497" y="5023563"/>
             <a:ext cx="1582993" cy="338554"/>
           </a:xfrm>
           <a:prstGeom prst="rect">
@@ -41122,7 +41099,7 @@
         </p:nvSpPr>
         <p:spPr>
           <a:xfrm>
-            <a:off x="8317767" y="3140960"/>
+            <a:off x="8317767" y="4082032"/>
             <a:ext cx="1770453" cy="338554"/>
           </a:xfrm>
           <a:prstGeom prst="rect">
@@ -41511,7 +41488,7 @@
         </p:nvCxnSpPr>
         <p:spPr>
           <a:xfrm>
-            <a:off x="9202994" y="1617496"/>
+            <a:off x="9202994" y="2558568"/>
             <a:ext cx="0" cy="592455"/>
           </a:xfrm>
           <a:prstGeom prst="straightConnector1">
@@ -41554,7 +41531,7 @@
         </p:nvCxnSpPr>
         <p:spPr>
           <a:xfrm>
-            <a:off x="9202994" y="2548505"/>
+            <a:off x="9202994" y="3489577"/>
             <a:ext cx="0" cy="592455"/>
           </a:xfrm>
           <a:prstGeom prst="straightConnector1">
@@ -41591,100 +41568,13 @@
           <p:cNvCxnSpPr>
             <a:cxnSpLocks/>
             <a:stCxn id="17" idx="2"/>
-            <a:endCxn id="13" idx="0"/>
           </p:cNvCxnSpPr>
           <p:nvPr/>
         </p:nvCxnSpPr>
         <p:spPr>
           <a:xfrm>
-            <a:off x="9202994" y="3479514"/>
+            <a:off x="9202994" y="4420586"/>
             <a:ext cx="0" cy="592455"/>
-          </a:xfrm>
-          <a:prstGeom prst="straightConnector1">
-            <a:avLst/>
-          </a:prstGeom>
-          <a:ln>
-            <a:tailEnd type="triangle"/>
-          </a:ln>
-        </p:spPr>
-        <p:style>
-          <a:lnRef idx="2">
-            <a:schemeClr val="dk1"/>
-          </a:lnRef>
-          <a:fillRef idx="0">
-            <a:schemeClr val="dk1"/>
-          </a:fillRef>
-          <a:effectRef idx="1">
-            <a:schemeClr val="dk1"/>
-          </a:effectRef>
-          <a:fontRef idx="minor">
-            <a:schemeClr val="tx1"/>
-          </a:fontRef>
-        </p:style>
-      </p:cxnSp>
-      <p:cxnSp>
-        <p:nvCxnSpPr>
-          <p:cNvPr id="90" name="직선 화살표 연결선 89">
-            <a:extLst>
-              <a:ext uri="{FF2B5EF4-FFF2-40B4-BE49-F238E27FC236}">
-                <a16:creationId xmlns:a16="http://schemas.microsoft.com/office/drawing/2014/main" id="{C74AE046-C736-835C-C281-ADD21C0AD43F}"/>
-              </a:ext>
-            </a:extLst>
-          </p:cNvPr>
-          <p:cNvCxnSpPr>
-            <a:cxnSpLocks/>
-            <a:stCxn id="13" idx="2"/>
-            <a:endCxn id="14" idx="0"/>
-          </p:cNvCxnSpPr>
-          <p:nvPr/>
-        </p:nvCxnSpPr>
-        <p:spPr>
-          <a:xfrm>
-            <a:off x="9202994" y="4410523"/>
-            <a:ext cx="0" cy="592455"/>
-          </a:xfrm>
-          <a:prstGeom prst="straightConnector1">
-            <a:avLst/>
-          </a:prstGeom>
-          <a:ln>
-            <a:tailEnd type="triangle"/>
-          </a:ln>
-        </p:spPr>
-        <p:style>
-          <a:lnRef idx="2">
-            <a:schemeClr val="dk1"/>
-          </a:lnRef>
-          <a:fillRef idx="0">
-            <a:schemeClr val="dk1"/>
-          </a:fillRef>
-          <a:effectRef idx="1">
-            <a:schemeClr val="dk1"/>
-          </a:effectRef>
-          <a:fontRef idx="minor">
-            <a:schemeClr val="tx1"/>
-          </a:fontRef>
-        </p:style>
-      </p:cxnSp>
-      <p:cxnSp>
-        <p:nvCxnSpPr>
-          <p:cNvPr id="93" name="직선 화살표 연결선 92">
-            <a:extLst>
-              <a:ext uri="{FF2B5EF4-FFF2-40B4-BE49-F238E27FC236}">
-                <a16:creationId xmlns:a16="http://schemas.microsoft.com/office/drawing/2014/main" id="{422250E3-99E0-5456-0F2E-5F6349D1202A}"/>
-              </a:ext>
-            </a:extLst>
-          </p:cNvPr>
-          <p:cNvCxnSpPr>
-            <a:cxnSpLocks/>
-            <a:stCxn id="14" idx="2"/>
-            <a:endCxn id="16" idx="0"/>
-          </p:cNvCxnSpPr>
-          <p:nvPr/>
-        </p:nvCxnSpPr>
-        <p:spPr>
-          <a:xfrm>
-            <a:off x="9202994" y="5341532"/>
-            <a:ext cx="0" cy="592456"/>
           </a:xfrm>
           <a:prstGeom prst="straightConnector1">
             <a:avLst/>
@@ -41725,8 +41615,8 @@
         </p:nvCxnSpPr>
         <p:spPr>
           <a:xfrm flipV="1">
-            <a:off x="3726427" y="1448219"/>
-            <a:ext cx="4685070" cy="4666027"/>
+            <a:off x="3726427" y="2389291"/>
+            <a:ext cx="4685070" cy="3724955"/>
           </a:xfrm>
           <a:prstGeom prst="bentConnector3">
             <a:avLst/>
